--- a/figure 1/figure 1.pptx
+++ b/figure 1/figure 1.pptx
@@ -243,7 +243,7 @@
           <a:p>
             <a:fld id="{8A72D5E0-D7D5-654C-9969-C7F3B68AA276}" type="datetimeFigureOut">
               <a:rPr lang="en-US" smtClean="0"/>
-              <a:t>11/22/22</a:t>
+              <a:t>11/30/22</a:t>
             </a:fld>
             <a:endParaRPr lang="en-US"/>
           </a:p>
@@ -413,7 +413,7 @@
           <a:p>
             <a:fld id="{8A72D5E0-D7D5-654C-9969-C7F3B68AA276}" type="datetimeFigureOut">
               <a:rPr lang="en-US" smtClean="0"/>
-              <a:t>11/22/22</a:t>
+              <a:t>11/30/22</a:t>
             </a:fld>
             <a:endParaRPr lang="en-US"/>
           </a:p>
@@ -593,7 +593,7 @@
           <a:p>
             <a:fld id="{8A72D5E0-D7D5-654C-9969-C7F3B68AA276}" type="datetimeFigureOut">
               <a:rPr lang="en-US" smtClean="0"/>
-              <a:t>11/22/22</a:t>
+              <a:t>11/30/22</a:t>
             </a:fld>
             <a:endParaRPr lang="en-US"/>
           </a:p>
@@ -763,7 +763,7 @@
           <a:p>
             <a:fld id="{8A72D5E0-D7D5-654C-9969-C7F3B68AA276}" type="datetimeFigureOut">
               <a:rPr lang="en-US" smtClean="0"/>
-              <a:t>11/22/22</a:t>
+              <a:t>11/30/22</a:t>
             </a:fld>
             <a:endParaRPr lang="en-US"/>
           </a:p>
@@ -1009,7 +1009,7 @@
           <a:p>
             <a:fld id="{8A72D5E0-D7D5-654C-9969-C7F3B68AA276}" type="datetimeFigureOut">
               <a:rPr lang="en-US" smtClean="0"/>
-              <a:t>11/22/22</a:t>
+              <a:t>11/30/22</a:t>
             </a:fld>
             <a:endParaRPr lang="en-US"/>
           </a:p>
@@ -1241,7 +1241,7 @@
           <a:p>
             <a:fld id="{8A72D5E0-D7D5-654C-9969-C7F3B68AA276}" type="datetimeFigureOut">
               <a:rPr lang="en-US" smtClean="0"/>
-              <a:t>11/22/22</a:t>
+              <a:t>11/30/22</a:t>
             </a:fld>
             <a:endParaRPr lang="en-US"/>
           </a:p>
@@ -1608,7 +1608,7 @@
           <a:p>
             <a:fld id="{8A72D5E0-D7D5-654C-9969-C7F3B68AA276}" type="datetimeFigureOut">
               <a:rPr lang="en-US" smtClean="0"/>
-              <a:t>11/22/22</a:t>
+              <a:t>11/30/22</a:t>
             </a:fld>
             <a:endParaRPr lang="en-US"/>
           </a:p>
@@ -1726,7 +1726,7 @@
           <a:p>
             <a:fld id="{8A72D5E0-D7D5-654C-9969-C7F3B68AA276}" type="datetimeFigureOut">
               <a:rPr lang="en-US" smtClean="0"/>
-              <a:t>11/22/22</a:t>
+              <a:t>11/30/22</a:t>
             </a:fld>
             <a:endParaRPr lang="en-US"/>
           </a:p>
@@ -1821,7 +1821,7 @@
           <a:p>
             <a:fld id="{8A72D5E0-D7D5-654C-9969-C7F3B68AA276}" type="datetimeFigureOut">
               <a:rPr lang="en-US" smtClean="0"/>
-              <a:t>11/22/22</a:t>
+              <a:t>11/30/22</a:t>
             </a:fld>
             <a:endParaRPr lang="en-US"/>
           </a:p>
@@ -2098,7 +2098,7 @@
           <a:p>
             <a:fld id="{8A72D5E0-D7D5-654C-9969-C7F3B68AA276}" type="datetimeFigureOut">
               <a:rPr lang="en-US" smtClean="0"/>
-              <a:t>11/22/22</a:t>
+              <a:t>11/30/22</a:t>
             </a:fld>
             <a:endParaRPr lang="en-US"/>
           </a:p>
@@ -2355,7 +2355,7 @@
           <a:p>
             <a:fld id="{8A72D5E0-D7D5-654C-9969-C7F3B68AA276}" type="datetimeFigureOut">
               <a:rPr lang="en-US" smtClean="0"/>
-              <a:t>11/22/22</a:t>
+              <a:t>11/30/22</a:t>
             </a:fld>
             <a:endParaRPr lang="en-US"/>
           </a:p>
@@ -2568,7 +2568,7 @@
           <a:p>
             <a:fld id="{8A72D5E0-D7D5-654C-9969-C7F3B68AA276}" type="datetimeFigureOut">
               <a:rPr lang="en-US" smtClean="0"/>
-              <a:t>11/22/22</a:t>
+              <a:t>11/30/22</a:t>
             </a:fld>
             <a:endParaRPr lang="en-US"/>
           </a:p>
@@ -2975,36 +2975,6 @@
       </p:grpSpPr>
       <p:pic>
         <p:nvPicPr>
-          <p:cNvPr id="14" name="Picture 13">
-            <a:extLst>
-              <a:ext uri="{FF2B5EF4-FFF2-40B4-BE49-F238E27FC236}">
-                <a16:creationId xmlns:a16="http://schemas.microsoft.com/office/drawing/2014/main" id="{C8A923B0-5413-C0A4-6EED-AF117083D97D}"/>
-              </a:ext>
-            </a:extLst>
-          </p:cNvPr>
-          <p:cNvPicPr>
-            <a:picLocks noChangeAspect="1"/>
-          </p:cNvPicPr>
-          <p:nvPr/>
-        </p:nvPicPr>
-        <p:blipFill>
-          <a:blip r:embed="rId2"/>
-          <a:stretch>
-            <a:fillRect/>
-          </a:stretch>
-        </p:blipFill>
-        <p:spPr>
-          <a:xfrm>
-            <a:off x="-1345418" y="-911673"/>
-            <a:ext cx="5726564" cy="5726564"/>
-          </a:xfrm>
-          <a:prstGeom prst="rect">
-            <a:avLst/>
-          </a:prstGeom>
-        </p:spPr>
-      </p:pic>
-      <p:pic>
-        <p:nvPicPr>
           <p:cNvPr id="15" name="Picture 14">
             <a:extLst>
               <a:ext uri="{FF2B5EF4-FFF2-40B4-BE49-F238E27FC236}">
@@ -3018,7 +2988,7 @@
           <p:nvPr/>
         </p:nvPicPr>
         <p:blipFill rotWithShape="1">
-          <a:blip r:embed="rId3"/>
+          <a:blip r:embed="rId2"/>
           <a:srcRect l="10430" t="2773" r="7160" b="2498"/>
           <a:stretch/>
         </p:blipFill>
@@ -3111,6 +3081,36 @@
           </a:p>
         </p:txBody>
       </p:sp>
+      <p:pic>
+        <p:nvPicPr>
+          <p:cNvPr id="3" name="Picture 2">
+            <a:extLst>
+              <a:ext uri="{FF2B5EF4-FFF2-40B4-BE49-F238E27FC236}">
+                <a16:creationId xmlns:a16="http://schemas.microsoft.com/office/drawing/2014/main" id="{F8BA0E71-C12C-2028-1FA2-E7B255B374A7}"/>
+              </a:ext>
+            </a:extLst>
+          </p:cNvPr>
+          <p:cNvPicPr>
+            <a:picLocks noChangeAspect="1"/>
+          </p:cNvPicPr>
+          <p:nvPr/>
+        </p:nvPicPr>
+        <p:blipFill>
+          <a:blip r:embed="rId3"/>
+          <a:stretch>
+            <a:fillRect/>
+          </a:stretch>
+        </p:blipFill>
+        <p:spPr>
+          <a:xfrm>
+            <a:off x="-1258104" y="-852094"/>
+            <a:ext cx="5631254" cy="5631254"/>
+          </a:xfrm>
+          <a:prstGeom prst="rect">
+            <a:avLst/>
+          </a:prstGeom>
+        </p:spPr>
+      </p:pic>
     </p:spTree>
     <p:extLst>
       <p:ext uri="{BB962C8B-B14F-4D97-AF65-F5344CB8AC3E}">

--- a/figure 1/figure 1.pptx
+++ b/figure 1/figure 1.pptx
@@ -243,7 +243,7 @@
           <a:p>
             <a:fld id="{8A72D5E0-D7D5-654C-9969-C7F3B68AA276}" type="datetimeFigureOut">
               <a:rPr lang="en-US" smtClean="0"/>
-              <a:t>11/30/22</a:t>
+              <a:t>12/1/22</a:t>
             </a:fld>
             <a:endParaRPr lang="en-US"/>
           </a:p>
@@ -413,7 +413,7 @@
           <a:p>
             <a:fld id="{8A72D5E0-D7D5-654C-9969-C7F3B68AA276}" type="datetimeFigureOut">
               <a:rPr lang="en-US" smtClean="0"/>
-              <a:t>11/30/22</a:t>
+              <a:t>12/1/22</a:t>
             </a:fld>
             <a:endParaRPr lang="en-US"/>
           </a:p>
@@ -593,7 +593,7 @@
           <a:p>
             <a:fld id="{8A72D5E0-D7D5-654C-9969-C7F3B68AA276}" type="datetimeFigureOut">
               <a:rPr lang="en-US" smtClean="0"/>
-              <a:t>11/30/22</a:t>
+              <a:t>12/1/22</a:t>
             </a:fld>
             <a:endParaRPr lang="en-US"/>
           </a:p>
@@ -763,7 +763,7 @@
           <a:p>
             <a:fld id="{8A72D5E0-D7D5-654C-9969-C7F3B68AA276}" type="datetimeFigureOut">
               <a:rPr lang="en-US" smtClean="0"/>
-              <a:t>11/30/22</a:t>
+              <a:t>12/1/22</a:t>
             </a:fld>
             <a:endParaRPr lang="en-US"/>
           </a:p>
@@ -1009,7 +1009,7 @@
           <a:p>
             <a:fld id="{8A72D5E0-D7D5-654C-9969-C7F3B68AA276}" type="datetimeFigureOut">
               <a:rPr lang="en-US" smtClean="0"/>
-              <a:t>11/30/22</a:t>
+              <a:t>12/1/22</a:t>
             </a:fld>
             <a:endParaRPr lang="en-US"/>
           </a:p>
@@ -1241,7 +1241,7 @@
           <a:p>
             <a:fld id="{8A72D5E0-D7D5-654C-9969-C7F3B68AA276}" type="datetimeFigureOut">
               <a:rPr lang="en-US" smtClean="0"/>
-              <a:t>11/30/22</a:t>
+              <a:t>12/1/22</a:t>
             </a:fld>
             <a:endParaRPr lang="en-US"/>
           </a:p>
@@ -1608,7 +1608,7 @@
           <a:p>
             <a:fld id="{8A72D5E0-D7D5-654C-9969-C7F3B68AA276}" type="datetimeFigureOut">
               <a:rPr lang="en-US" smtClean="0"/>
-              <a:t>11/30/22</a:t>
+              <a:t>12/1/22</a:t>
             </a:fld>
             <a:endParaRPr lang="en-US"/>
           </a:p>
@@ -1726,7 +1726,7 @@
           <a:p>
             <a:fld id="{8A72D5E0-D7D5-654C-9969-C7F3B68AA276}" type="datetimeFigureOut">
               <a:rPr lang="en-US" smtClean="0"/>
-              <a:t>11/30/22</a:t>
+              <a:t>12/1/22</a:t>
             </a:fld>
             <a:endParaRPr lang="en-US"/>
           </a:p>
@@ -1821,7 +1821,7 @@
           <a:p>
             <a:fld id="{8A72D5E0-D7D5-654C-9969-C7F3B68AA276}" type="datetimeFigureOut">
               <a:rPr lang="en-US" smtClean="0"/>
-              <a:t>11/30/22</a:t>
+              <a:t>12/1/22</a:t>
             </a:fld>
             <a:endParaRPr lang="en-US"/>
           </a:p>
@@ -2098,7 +2098,7 @@
           <a:p>
             <a:fld id="{8A72D5E0-D7D5-654C-9969-C7F3B68AA276}" type="datetimeFigureOut">
               <a:rPr lang="en-US" smtClean="0"/>
-              <a:t>11/30/22</a:t>
+              <a:t>12/1/22</a:t>
             </a:fld>
             <a:endParaRPr lang="en-US"/>
           </a:p>
@@ -2355,7 +2355,7 @@
           <a:p>
             <a:fld id="{8A72D5E0-D7D5-654C-9969-C7F3B68AA276}" type="datetimeFigureOut">
               <a:rPr lang="en-US" smtClean="0"/>
-              <a:t>11/30/22</a:t>
+              <a:t>12/1/22</a:t>
             </a:fld>
             <a:endParaRPr lang="en-US"/>
           </a:p>
@@ -2568,7 +2568,7 @@
           <a:p>
             <a:fld id="{8A72D5E0-D7D5-654C-9969-C7F3B68AA276}" type="datetimeFigureOut">
               <a:rPr lang="en-US" smtClean="0"/>
-              <a:t>11/30/22</a:t>
+              <a:t>12/1/22</a:t>
             </a:fld>
             <a:endParaRPr lang="en-US"/>
           </a:p>
@@ -3083,10 +3083,10 @@
       </p:sp>
       <p:pic>
         <p:nvPicPr>
-          <p:cNvPr id="3" name="Picture 2">
+          <p:cNvPr id="4" name="Picture 3">
             <a:extLst>
               <a:ext uri="{FF2B5EF4-FFF2-40B4-BE49-F238E27FC236}">
-                <a16:creationId xmlns:a16="http://schemas.microsoft.com/office/drawing/2014/main" id="{F8BA0E71-C12C-2028-1FA2-E7B255B374A7}"/>
+                <a16:creationId xmlns:a16="http://schemas.microsoft.com/office/drawing/2014/main" id="{F29EF6F6-27BE-0CA2-83EA-79E05F733390}"/>
               </a:ext>
             </a:extLst>
           </p:cNvPr>
@@ -3103,8 +3103,8 @@
         </p:blipFill>
         <p:spPr>
           <a:xfrm>
-            <a:off x="-1258104" y="-852094"/>
-            <a:ext cx="5631254" cy="5631254"/>
+            <a:off x="-848333" y="-880739"/>
+            <a:ext cx="5743198" cy="5743198"/>
           </a:xfrm>
           <a:prstGeom prst="rect">
             <a:avLst/>
